--- a/Project/Prototypes/Prototype Organic Food World Webside_rev01.pptx
+++ b/Project/Prototypes/Prototype Organic Food World Webside_rev01.pptx
@@ -265,7 +265,7 @@
           <a:p>
             <a:fld id="{073D55F9-11A3-4523-8F38-6BA37933791A}" type="datetime1">
               <a:rPr lang="en-US" smtClean="0"/>
-              <a:t>10/22/2021</a:t>
+              <a:t>10/23/2021</a:t>
             </a:fld>
             <a:endParaRPr lang="en-US"/>
           </a:p>
@@ -467,7 +467,7 @@
           <a:p>
             <a:fld id="{0B4E757A-3EC2-4683-9080-1A460C37C843}" type="datetime1">
               <a:rPr lang="en-US" smtClean="0"/>
-              <a:t>10/22/2021</a:t>
+              <a:t>10/23/2021</a:t>
             </a:fld>
             <a:endParaRPr lang="en-US"/>
           </a:p>
@@ -683,7 +683,7 @@
           <a:p>
             <a:fld id="{5CC8096C-64ED-4153-A483-5C02E44AD5C3}" type="datetime1">
               <a:rPr lang="en-US" smtClean="0"/>
-              <a:t>10/22/2021</a:t>
+              <a:t>10/23/2021</a:t>
             </a:fld>
             <a:endParaRPr lang="en-US" dirty="0"/>
           </a:p>
@@ -916,7 +916,7 @@
           <a:p>
             <a:fld id="{1CB9D56B-6EBE-4E5F-99D9-2A3DBDF37D0A}" type="datetime1">
               <a:rPr lang="en-US" smtClean="0"/>
-              <a:t>10/22/2021</a:t>
+              <a:t>10/23/2021</a:t>
             </a:fld>
             <a:endParaRPr lang="en-US"/>
           </a:p>
@@ -1193,7 +1193,7 @@
           <a:p>
             <a:fld id="{8C33F3CA-C7E3-432D-9282-18F13836509A}" type="datetime1">
               <a:rPr lang="en-US" smtClean="0"/>
-              <a:t>10/22/2021</a:t>
+              <a:t>10/23/2021</a:t>
             </a:fld>
             <a:endParaRPr lang="en-US" dirty="0"/>
           </a:p>
@@ -1463,7 +1463,7 @@
           <a:p>
             <a:fld id="{75BE9C62-1337-40B8-BA50-E9F4861DB4BC}" type="datetime1">
               <a:rPr lang="en-US" smtClean="0"/>
-              <a:t>10/22/2021</a:t>
+              <a:t>10/23/2021</a:t>
             </a:fld>
             <a:endParaRPr lang="en-US"/>
           </a:p>
@@ -1880,7 +1880,7 @@
           <a:p>
             <a:fld id="{47C195EB-2DA3-4B24-8725-19BC22A7BE50}" type="datetime1">
               <a:rPr lang="en-US" smtClean="0"/>
-              <a:t>10/22/2021</a:t>
+              <a:t>10/23/2021</a:t>
             </a:fld>
             <a:endParaRPr lang="en-US"/>
           </a:p>
@@ -2025,7 +2025,7 @@
           <a:p>
             <a:fld id="{F4E237E6-0076-4915-A5A8-B7C11FA4F374}" type="datetime1">
               <a:rPr lang="en-US" smtClean="0"/>
-              <a:t>10/22/2021</a:t>
+              <a:t>10/23/2021</a:t>
             </a:fld>
             <a:endParaRPr lang="en-US"/>
           </a:p>
@@ -2141,7 +2141,7 @@
           <a:p>
             <a:fld id="{3505F58F-C0B5-422A-8E5A-6B99E5D80F0A}" type="datetime1">
               <a:rPr lang="en-US" smtClean="0"/>
-              <a:t>10/22/2021</a:t>
+              <a:t>10/23/2021</a:t>
             </a:fld>
             <a:endParaRPr lang="en-US"/>
           </a:p>
@@ -2457,7 +2457,7 @@
           <a:p>
             <a:fld id="{7565E655-9687-48DF-A33F-F8824CCCB5D1}" type="datetime1">
               <a:rPr lang="en-US" smtClean="0"/>
-              <a:t>10/22/2021</a:t>
+              <a:t>10/23/2021</a:t>
             </a:fld>
             <a:endParaRPr lang="en-US"/>
           </a:p>
@@ -2753,7 +2753,7 @@
           <a:p>
             <a:fld id="{B97FD56A-AAB8-4544-A495-D0645413C9E3}" type="datetime1">
               <a:rPr lang="en-US" smtClean="0"/>
-              <a:t>10/22/2021</a:t>
+              <a:t>10/23/2021</a:t>
             </a:fld>
             <a:endParaRPr lang="en-US"/>
           </a:p>
@@ -4574,7 +4574,7 @@
             <a:fld id="{193BAB95-8DA7-460B-B00A-7037C8394FB0}" type="datetime1">
               <a:rPr lang="en-US" smtClean="0"/>
               <a:pPr/>
-              <a:t>10/22/2021</a:t>
+              <a:t>10/23/2021</a:t>
             </a:fld>
             <a:endParaRPr lang="en-US" dirty="0"/>
           </a:p>
@@ -7399,7 +7399,7 @@
         </p:blipFill>
         <p:spPr>
           <a:xfrm>
-            <a:off x="3248398" y="0"/>
+            <a:off x="3248398" y="-296427"/>
             <a:ext cx="5695203" cy="6858000"/>
           </a:xfrm>
           <a:prstGeom prst="rect">
